--- a/Apresentação do anteprojeto.pptx
+++ b/Apresentação do anteprojeto.pptx
@@ -6620,7 +6620,7 @@
         <p:spPr>
           <a:xfrm>
             <a:off x="645900" y="1687605"/>
-            <a:ext cx="6729727" cy="1881990"/>
+            <a:ext cx="7423827" cy="1881990"/>
           </a:xfrm>
           <a:prstGeom prst="rect">
             <a:avLst/>
@@ -6689,7 +6689,7 @@
                   <a:schemeClr val="tx1"/>
                 </a:solidFill>
               </a:rPr>
-              <a:t>Softwares precisam de adequar a nova lei.</a:t>
+              <a:t>Softwares e bases de dados precisam de adequar a nova lei.</a:t>
             </a:r>
           </a:p>
           <a:p>
@@ -7462,7 +7462,7 @@
         <p:spPr>
           <a:xfrm>
             <a:off x="204048" y="3165848"/>
-            <a:ext cx="8488221" cy="1524007"/>
+            <a:ext cx="8488221" cy="1893339"/>
           </a:xfrm>
           <a:prstGeom prst="rect">
             <a:avLst/>
@@ -7568,6 +7568,42 @@
                 </a:solidFill>
               </a:rPr>
               <a:t>Aprender a Visualizar os dados e manipular dados.</a:t>
+            </a:r>
+          </a:p>
+          <a:p>
+            <a:pPr marL="285750" indent="-285750">
+              <a:lnSpc>
+                <a:spcPct val="150000"/>
+              </a:lnSpc>
+              <a:buClr>
+                <a:schemeClr val="tx1"/>
+              </a:buClr>
+              <a:buFont typeface="Arial" panose="020B0604020202020204" pitchFamily="34" charset="0"/>
+              <a:buChar char="•"/>
+            </a:pPr>
+            <a:r>
+              <a:rPr lang="pt-BR" sz="1600" dirty="0">
+                <a:solidFill>
+                  <a:schemeClr val="tx1"/>
+                </a:solidFill>
+              </a:rPr>
+              <a:t>Aprender sobre as </a:t>
+            </a:r>
+            <a:r>
+              <a:rPr lang="pt-BR" sz="1600" dirty="0" err="1">
+                <a:solidFill>
+                  <a:schemeClr val="tx1"/>
+                </a:solidFill>
+              </a:rPr>
+              <a:t>ISOs</a:t>
+            </a:r>
+            <a:r>
+              <a:rPr lang="pt-BR" sz="1600" dirty="0">
+                <a:solidFill>
+                  <a:schemeClr val="tx1"/>
+                </a:solidFill>
+              </a:rPr>
+              <a:t> de segurança da informação.</a:t>
             </a:r>
           </a:p>
         </p:txBody>
@@ -7653,7 +7689,7 @@
         <p:spPr>
           <a:xfrm>
             <a:off x="372773" y="1379116"/>
-            <a:ext cx="8398453" cy="2800767"/>
+            <a:ext cx="8141972" cy="3216265"/>
           </a:xfrm>
           <a:prstGeom prst="rect">
             <a:avLst/>
@@ -7754,7 +7790,7 @@
                   <a:schemeClr val="tx1"/>
                 </a:solidFill>
               </a:rPr>
-              <a:t>Pesquisa a respeito de implementações de dashboards para visualizar dados</a:t>
+              <a:t>Pesquisa a respeito de implementações de para visualizar dados</a:t>
             </a:r>
           </a:p>
           <a:p>
@@ -7774,7 +7810,7 @@
                   <a:schemeClr val="tx1"/>
                 </a:solidFill>
               </a:rPr>
-              <a:t>Ferramentas para visualizar os dados.</a:t>
+              <a:t>Ferramentas para visualizar os dados. </a:t>
             </a:r>
           </a:p>
           <a:p>
@@ -7815,6 +7851,42 @@
                 </a:solidFill>
               </a:rPr>
               <a:t>Fazer o papel da consultoria jurídica para ajudar na adequação dos dados.</a:t>
+            </a:r>
+          </a:p>
+          <a:p>
+            <a:pPr marL="285750" indent="-285750">
+              <a:lnSpc>
+                <a:spcPct val="150000"/>
+              </a:lnSpc>
+              <a:buClr>
+                <a:schemeClr val="tx1"/>
+              </a:buClr>
+              <a:buFont typeface="Arial" panose="020B0604020202020204" pitchFamily="34" charset="0"/>
+              <a:buChar char="•"/>
+            </a:pPr>
+            <a:r>
+              <a:rPr lang="pt-BR" sz="1800" dirty="0">
+                <a:solidFill>
+                  <a:schemeClr val="tx1"/>
+                </a:solidFill>
+              </a:rPr>
+              <a:t>Pesquisa sobre </a:t>
+            </a:r>
+            <a:r>
+              <a:rPr lang="pt-BR" sz="1800" dirty="0" err="1">
+                <a:solidFill>
+                  <a:schemeClr val="tx1"/>
+                </a:solidFill>
+              </a:rPr>
+              <a:t>ISOs</a:t>
+            </a:r>
+            <a:r>
+              <a:rPr lang="pt-BR" sz="1800" dirty="0">
+                <a:solidFill>
+                  <a:schemeClr val="tx1"/>
+                </a:solidFill>
+              </a:rPr>
+              <a:t> em relação a segurança da informação</a:t>
             </a:r>
           </a:p>
           <a:p>
@@ -8894,8 +8966,21 @@
                   <a:schemeClr val="tx1"/>
                 </a:solidFill>
               </a:rPr>
-              <a:t>Iniciar o estudo do conteúdo de L.G.P.D</a:t>
-            </a:r>
+              <a:t>Iniciar o estudo do conteúdo de L.G.P.D e </a:t>
+            </a:r>
+            <a:r>
+              <a:rPr lang="pt-BR" sz="1200" dirty="0" err="1">
+                <a:solidFill>
+                  <a:schemeClr val="tx1"/>
+                </a:solidFill>
+              </a:rPr>
+              <a:t>ISOs</a:t>
+            </a:r>
+            <a:endParaRPr lang="pt-BR" sz="1200" dirty="0">
+              <a:solidFill>
+                <a:schemeClr val="tx1"/>
+              </a:solidFill>
+            </a:endParaRPr>
           </a:p>
           <a:p>
             <a:pPr marL="342900" indent="-342900">
